--- a/gUERILLA.pptx
+++ b/gUERILLA.pptx
@@ -112,6 +112,11 @@
       </a:defRPr>
     </a:lvl9pPr>
   </p:defaultTextStyle>
+  <p:extLst>
+    <p:ext uri="{EFAFB233-063F-42B5-8137-9DF3F51BA10A}">
+      <p15:sldGuideLst xmlns:p15="http://schemas.microsoft.com/office/powerpoint/2012/main"/>
+    </p:ext>
+  </p:extLst>
 </p:presentation>
 </file>
 
@@ -252,6 +257,11 @@
               </a:scene3d>
               <a:sp3d prstMaterial="matte"/>
             </c:spPr>
+            <c:extLst>
+              <c:ext xmlns:c16="http://schemas.microsoft.com/office/drawing/2014/chart" uri="{C3380CC4-5D6E-409C-BE32-E72D297353CC}">
+                <c16:uniqueId val="{00000001-0E25-49E0-8E24-384603D147DD}"/>
+              </c:ext>
+            </c:extLst>
           </c:dPt>
           <c:dPt>
             <c:idx val="1"/>
@@ -276,6 +286,11 @@
               </a:scene3d>
               <a:sp3d prstMaterial="matte"/>
             </c:spPr>
+            <c:extLst>
+              <c:ext xmlns:c16="http://schemas.microsoft.com/office/drawing/2014/chart" uri="{C3380CC4-5D6E-409C-BE32-E72D297353CC}">
+                <c16:uniqueId val="{00000003-0E25-49E0-8E24-384603D147DD}"/>
+              </c:ext>
+            </c:extLst>
           </c:dPt>
           <c:dPt>
             <c:idx val="2"/>
@@ -300,6 +315,11 @@
               </a:scene3d>
               <a:sp3d prstMaterial="matte"/>
             </c:spPr>
+            <c:extLst>
+              <c:ext xmlns:c16="http://schemas.microsoft.com/office/drawing/2014/chart" uri="{C3380CC4-5D6E-409C-BE32-E72D297353CC}">
+                <c16:uniqueId val="{00000005-0E25-49E0-8E24-384603D147DD}"/>
+              </c:ext>
+            </c:extLst>
           </c:dPt>
           <c:dPt>
             <c:idx val="3"/>
@@ -324,6 +344,11 @@
               </a:scene3d>
               <a:sp3d prstMaterial="matte"/>
             </c:spPr>
+            <c:extLst>
+              <c:ext xmlns:c16="http://schemas.microsoft.com/office/drawing/2014/chart" uri="{C3380CC4-5D6E-409C-BE32-E72D297353CC}">
+                <c16:uniqueId val="{00000007-0E25-49E0-8E24-384603D147DD}"/>
+              </c:ext>
+            </c:extLst>
           </c:dPt>
           <c:dPt>
             <c:idx val="4"/>
@@ -348,6 +373,11 @@
               </a:scene3d>
               <a:sp3d prstMaterial="matte"/>
             </c:spPr>
+            <c:extLst>
+              <c:ext xmlns:c16="http://schemas.microsoft.com/office/drawing/2014/chart" uri="{C3380CC4-5D6E-409C-BE32-E72D297353CC}">
+                <c16:uniqueId val="{00000009-0E25-49E0-8E24-384603D147DD}"/>
+              </c:ext>
+            </c:extLst>
           </c:dPt>
           <c:dPt>
             <c:idx val="5"/>
@@ -372,6 +402,11 @@
               </a:scene3d>
               <a:sp3d prstMaterial="matte"/>
             </c:spPr>
+            <c:extLst>
+              <c:ext xmlns:c16="http://schemas.microsoft.com/office/drawing/2014/chart" uri="{C3380CC4-5D6E-409C-BE32-E72D297353CC}">
+                <c16:uniqueId val="{0000000B-0E25-49E0-8E24-384603D147DD}"/>
+              </c:ext>
+            </c:extLst>
           </c:dPt>
           <c:dPt>
             <c:idx val="6"/>
@@ -398,6 +433,11 @@
               </a:scene3d>
               <a:sp3d prstMaterial="matte"/>
             </c:spPr>
+            <c:extLst>
+              <c:ext xmlns:c16="http://schemas.microsoft.com/office/drawing/2014/chart" uri="{C3380CC4-5D6E-409C-BE32-E72D297353CC}">
+                <c16:uniqueId val="{0000000D-0E25-49E0-8E24-384603D147DD}"/>
+              </c:ext>
+            </c:extLst>
           </c:dPt>
           <c:dPt>
             <c:idx val="7"/>
@@ -455,6 +495,11 @@
               </a:scene3d>
               <a:sp3d prstMaterial="matte"/>
             </c:spPr>
+            <c:extLst>
+              <c:ext xmlns:c16="http://schemas.microsoft.com/office/drawing/2014/chart" uri="{C3380CC4-5D6E-409C-BE32-E72D297353CC}">
+                <c16:uniqueId val="{00000011-0E25-49E0-8E24-384603D147DD}"/>
+              </c:ext>
+            </c:extLst>
           </c:dPt>
           <c:dPt>
             <c:idx val="9"/>
@@ -513,6 +558,11 @@
               </a:scene3d>
               <a:sp3d prstMaterial="matte"/>
             </c:spPr>
+            <c:extLst>
+              <c:ext xmlns:c16="http://schemas.microsoft.com/office/drawing/2014/chart" uri="{C3380CC4-5D6E-409C-BE32-E72D297353CC}">
+                <c16:uniqueId val="{00000015-0E25-49E0-8E24-384603D147DD}"/>
+              </c:ext>
+            </c:extLst>
           </c:dPt>
           <c:dPt>
             <c:idx val="11"/>
@@ -539,6 +589,11 @@
               </a:scene3d>
               <a:sp3d prstMaterial="matte"/>
             </c:spPr>
+            <c:extLst>
+              <c:ext xmlns:c16="http://schemas.microsoft.com/office/drawing/2014/chart" uri="{C3380CC4-5D6E-409C-BE32-E72D297353CC}">
+                <c16:uniqueId val="{00000017-0E25-49E0-8E24-384603D147DD}"/>
+              </c:ext>
+            </c:extLst>
           </c:dPt>
           <c:dLbls>
             <c:spPr>
@@ -5511,6 +5566,13 @@
             </a:r>
           </a:p>
           <a:p>
+            <a:r>
+              <a:rPr lang="en-GB"/>
+              <a:t>Lighthouse </a:t>
+            </a:r>
+            <a:endParaRPr lang="en-GB" dirty="0"/>
+          </a:p>
+          <a:p>
             <a:endParaRPr lang="en-GB" dirty="0"/>
           </a:p>
         </p:txBody>
